--- a/Project 2/Project 2 Social Network Mining.pptx
+++ b/Project 2/Project 2 Social Network Mining.pptx
@@ -11322,7 +11322,7 @@
                   <a:srgbClr val="FF0000"/>
                 </a:solidFill>
               </a:rPr>
-              <a:t>DDL: May 10, 2022</a:t>
+              <a:t>DDL: May 3, 2022</a:t>
             </a:r>
           </a:p>
           <a:p>
